--- a/antora/components/userguide/modules/fun/images/core-concepts/philosophy/hexagonal-architecture.pptx
+++ b/antora/components/userguide/modules/fun/images/core-concepts/philosophy/hexagonal-architecture.pptx
@@ -183,7 +183,7 @@
           <a:p>
             <a:fld id="{1428B44B-2FF9-4D06-B62B-7968FF54AAF1}" type="datetimeFigureOut">
               <a:rPr lang="en-GB" smtClean="0"/>
-              <a:t>31/01/2020</a:t>
+              <a:t>12/03/2023</a:t>
             </a:fld>
             <a:endParaRPr lang="en-GB"/>
           </a:p>
@@ -498,7 +498,7 @@
           <a:p>
             <a:fld id="{1428B44B-2FF9-4D06-B62B-7968FF54AAF1}" type="datetimeFigureOut">
               <a:rPr lang="en-GB" smtClean="0"/>
-              <a:t>31/01/2020</a:t>
+              <a:t>12/03/2023</a:t>
             </a:fld>
             <a:endParaRPr lang="en-GB"/>
           </a:p>
@@ -672,7 +672,7 @@
           <a:p>
             <a:fld id="{1428B44B-2FF9-4D06-B62B-7968FF54AAF1}" type="datetimeFigureOut">
               <a:rPr lang="en-GB" smtClean="0"/>
-              <a:t>31/01/2020</a:t>
+              <a:t>12/03/2023</a:t>
             </a:fld>
             <a:endParaRPr lang="en-GB"/>
           </a:p>
@@ -790,7 +790,7 @@
           <a:p>
             <a:fld id="{1428B44B-2FF9-4D06-B62B-7968FF54AAF1}" type="datetimeFigureOut">
               <a:rPr lang="en-GB" smtClean="0"/>
-              <a:t>31/01/2020</a:t>
+              <a:t>12/03/2023</a:t>
             </a:fld>
             <a:endParaRPr lang="en-GB"/>
           </a:p>
@@ -1088,7 +1088,7 @@
           <a:p>
             <a:fld id="{1428B44B-2FF9-4D06-B62B-7968FF54AAF1}" type="datetimeFigureOut">
               <a:rPr lang="en-GB" smtClean="0"/>
-              <a:t>31/01/2020</a:t>
+              <a:t>12/03/2023</a:t>
             </a:fld>
             <a:endParaRPr lang="en-GB"/>
           </a:p>
@@ -1381,7 +1381,7 @@
           <a:p>
             <a:fld id="{1428B44B-2FF9-4D06-B62B-7968FF54AAF1}" type="datetimeFigureOut">
               <a:rPr lang="en-GB" smtClean="0"/>
-              <a:t>31/01/2020</a:t>
+              <a:t>12/03/2023</a:t>
             </a:fld>
             <a:endParaRPr lang="en-GB"/>
           </a:p>
@@ -1809,7 +1809,7 @@
           <a:p>
             <a:fld id="{1428B44B-2FF9-4D06-B62B-7968FF54AAF1}" type="datetimeFigureOut">
               <a:rPr lang="en-GB" smtClean="0"/>
-              <a:t>31/01/2020</a:t>
+              <a:t>12/03/2023</a:t>
             </a:fld>
             <a:endParaRPr lang="en-GB"/>
           </a:p>
@@ -1927,7 +1927,7 @@
           <a:p>
             <a:fld id="{1428B44B-2FF9-4D06-B62B-7968FF54AAF1}" type="datetimeFigureOut">
               <a:rPr lang="en-GB" smtClean="0"/>
-              <a:t>31/01/2020</a:t>
+              <a:t>12/03/2023</a:t>
             </a:fld>
             <a:endParaRPr lang="en-GB"/>
           </a:p>
@@ -2017,7 +2017,7 @@
           <a:p>
             <a:fld id="{1428B44B-2FF9-4D06-B62B-7968FF54AAF1}" type="datetimeFigureOut">
               <a:rPr lang="en-GB" smtClean="0"/>
-              <a:t>31/01/2020</a:t>
+              <a:t>12/03/2023</a:t>
             </a:fld>
             <a:endParaRPr lang="en-GB"/>
           </a:p>
@@ -2267,7 +2267,7 @@
           <a:p>
             <a:fld id="{1428B44B-2FF9-4D06-B62B-7968FF54AAF1}" type="datetimeFigureOut">
               <a:rPr lang="en-GB" smtClean="0"/>
-              <a:t>31/01/2020</a:t>
+              <a:t>12/03/2023</a:t>
             </a:fld>
             <a:endParaRPr lang="en-GB"/>
           </a:p>
@@ -2783,7 +2783,7 @@
           <a:p>
             <a:fld id="{1428B44B-2FF9-4D06-B62B-7968FF54AAF1}" type="datetimeFigureOut">
               <a:rPr lang="en-GB" smtClean="0"/>
-              <a:t>31/01/2020</a:t>
+              <a:t>12/03/2023</a:t>
             </a:fld>
             <a:endParaRPr lang="en-GB"/>
           </a:p>
@@ -3013,7 +3013,7 @@
           <a:p>
             <a:fld id="{1428B44B-2FF9-4D06-B62B-7968FF54AAF1}" type="datetimeFigureOut">
               <a:rPr lang="en-GB" smtClean="0"/>
-              <a:t>31/01/2020</a:t>
+              <a:t>12/03/2023</a:t>
             </a:fld>
             <a:endParaRPr lang="en-GB"/>
           </a:p>
@@ -4397,20 +4397,17 @@
           <a:p>
             <a:pPr algn="ctr"/>
             <a:r>
-              <a:rPr lang="en-GB" dirty="0" err="1"/>
+              <a:rPr lang="en-GB"/>
               <a:t>DataNucleus</a:t>
             </a:r>
-            <a:r>
-              <a:rPr lang="en-GB" dirty="0"/>
-              <a:t>/</a:t>
-            </a:r>
             <a:br>
-              <a:rPr lang="en-GB" dirty="0"/>
+              <a:rPr lang="en-GB"/>
             </a:br>
             <a:r>
-              <a:rPr lang="en-GB" dirty="0"/>
-              <a:t>RDBMS</a:t>
-            </a:r>
+              <a:rPr lang="en-GB"/>
+              <a:t>JDO</a:t>
+            </a:r>
+            <a:endParaRPr lang="en-GB" dirty="0"/>
           </a:p>
         </p:txBody>
       </p:sp>
@@ -4567,20 +4564,17 @@
           <a:p>
             <a:pPr algn="ctr"/>
             <a:r>
-              <a:rPr lang="en-GB" dirty="0" err="1"/>
-              <a:t>DataNucleus</a:t>
-            </a:r>
-            <a:r>
-              <a:rPr lang="en-GB" dirty="0"/>
-              <a:t>/</a:t>
+              <a:rPr lang="en-GB"/>
+              <a:t>EclipseLink</a:t>
             </a:r>
             <a:br>
-              <a:rPr lang="en-GB" dirty="0"/>
+              <a:rPr lang="en-GB"/>
             </a:br>
             <a:r>
-              <a:rPr lang="en-GB" dirty="0"/>
-              <a:t>Neo4J</a:t>
-            </a:r>
+              <a:rPr lang="en-GB"/>
+              <a:t>JPA</a:t>
+            </a:r>
+            <a:endParaRPr lang="en-GB" dirty="0"/>
           </a:p>
         </p:txBody>
       </p:sp>
@@ -4619,9 +4613,10 @@
           <a:p>
             <a:pPr algn="ctr"/>
             <a:r>
-              <a:rPr lang="en-GB" dirty="0"/>
-              <a:t>Neo4J</a:t>
-            </a:r>
+              <a:rPr lang="en-GB"/>
+              <a:t>RDBMS</a:t>
+            </a:r>
+            <a:endParaRPr lang="en-GB" dirty="0"/>
           </a:p>
         </p:txBody>
       </p:sp>
@@ -5705,20 +5700,17 @@
           <a:p>
             <a:pPr algn="ctr"/>
             <a:r>
-              <a:rPr lang="en-GB" dirty="0" err="1"/>
+              <a:rPr lang="en-GB"/>
               <a:t>DataNucleus</a:t>
             </a:r>
-            <a:r>
-              <a:rPr lang="en-GB" dirty="0"/>
-              <a:t>/</a:t>
-            </a:r>
             <a:br>
-              <a:rPr lang="en-GB" dirty="0"/>
+              <a:rPr lang="en-GB"/>
             </a:br>
             <a:r>
-              <a:rPr lang="en-GB" dirty="0"/>
-              <a:t>RDBMS</a:t>
-            </a:r>
+              <a:rPr lang="en-GB"/>
+              <a:t>JDO</a:t>
+            </a:r>
+            <a:endParaRPr lang="en-GB" dirty="0"/>
           </a:p>
         </p:txBody>
       </p:sp>
@@ -5855,7 +5847,7 @@
         <p:spPr>
           <a:xfrm>
             <a:off x="1212421" y="6372036"/>
-            <a:ext cx="1923925" cy="369332"/>
+            <a:ext cx="1112805" cy="369332"/>
           </a:xfrm>
           <a:prstGeom prst="rect">
             <a:avLst/>
@@ -5869,9 +5861,10 @@
           <a:lstStyle/>
           <a:p>
             <a:r>
-              <a:rPr lang="en-GB" dirty="0"/>
-              <a:t>SPI implementations</a:t>
-            </a:r>
+              <a:rPr lang="en-GB"/>
+              <a:t>Extensions</a:t>
+            </a:r>
+            <a:endParaRPr lang="en-GB" dirty="0"/>
           </a:p>
         </p:txBody>
       </p:sp>
@@ -5949,20 +5942,17 @@
           <a:p>
             <a:pPr algn="ctr"/>
             <a:r>
-              <a:rPr lang="en-GB" dirty="0" err="1"/>
-              <a:t>DataNucleus</a:t>
-            </a:r>
-            <a:r>
-              <a:rPr lang="en-GB" dirty="0"/>
-              <a:t>/</a:t>
+              <a:rPr lang="en-GB"/>
+              <a:t>EclipseLink</a:t>
             </a:r>
             <a:br>
-              <a:rPr lang="en-GB" dirty="0"/>
+              <a:rPr lang="en-GB"/>
             </a:br>
             <a:r>
-              <a:rPr lang="en-GB" dirty="0"/>
-              <a:t>Neo4J</a:t>
-            </a:r>
+              <a:rPr lang="en-GB"/>
+              <a:t>JPA</a:t>
+            </a:r>
+            <a:endParaRPr lang="en-GB" dirty="0"/>
           </a:p>
         </p:txBody>
       </p:sp>
@@ -6001,9 +5991,10 @@
           <a:p>
             <a:pPr algn="ctr"/>
             <a:r>
-              <a:rPr lang="en-GB" dirty="0"/>
-              <a:t>Neo4J</a:t>
-            </a:r>
+              <a:rPr lang="en-GB"/>
+              <a:t>RDBMS</a:t>
+            </a:r>
+            <a:endParaRPr lang="en-GB" dirty="0"/>
           </a:p>
         </p:txBody>
       </p:sp>
